--- a/Presentation.pptx
+++ b/Presentation.pptx
@@ -335,7 +335,7 @@
             <a:fld id="{2993C056-CFA9-4E31-AB9C-F26B4C084605}" type="datetimeFigureOut">
               <a:rPr lang="fr-FR" smtClean="0"/>
               <a:pPr/>
-              <a:t>27/12/2019</a:t>
+              <a:t>29/12/2019</a:t>
             </a:fld>
             <a:endParaRPr lang="fr-FR"/>
           </a:p>
@@ -524,7 +524,7 @@
             <a:fld id="{2993C056-CFA9-4E31-AB9C-F26B4C084605}" type="datetimeFigureOut">
               <a:rPr lang="fr-FR" smtClean="0"/>
               <a:pPr/>
-              <a:t>27/12/2019</a:t>
+              <a:t>29/12/2019</a:t>
             </a:fld>
             <a:endParaRPr lang="fr-FR"/>
           </a:p>
@@ -701,7 +701,7 @@
             <a:fld id="{2993C056-CFA9-4E31-AB9C-F26B4C084605}" type="datetimeFigureOut">
               <a:rPr lang="fr-FR" smtClean="0"/>
               <a:pPr/>
-              <a:t>27/12/2019</a:t>
+              <a:t>29/12/2019</a:t>
             </a:fld>
             <a:endParaRPr lang="fr-FR"/>
           </a:p>
@@ -883,7 +883,7 @@
             <a:fld id="{2993C056-CFA9-4E31-AB9C-F26B4C084605}" type="datetimeFigureOut">
               <a:rPr lang="fr-FR" smtClean="0"/>
               <a:pPr/>
-              <a:t>27/12/2019</a:t>
+              <a:t>29/12/2019</a:t>
             </a:fld>
             <a:endParaRPr lang="fr-FR"/>
           </a:p>
@@ -1132,7 +1132,7 @@
             <a:fld id="{2993C056-CFA9-4E31-AB9C-F26B4C084605}" type="datetimeFigureOut">
               <a:rPr lang="fr-FR" smtClean="0"/>
               <a:pPr/>
-              <a:t>27/12/2019</a:t>
+              <a:t>29/12/2019</a:t>
             </a:fld>
             <a:endParaRPr lang="fr-FR"/>
           </a:p>
@@ -1608,7 +1608,7 @@
             <a:fld id="{2993C056-CFA9-4E31-AB9C-F26B4C084605}" type="datetimeFigureOut">
               <a:rPr lang="fr-FR" smtClean="0"/>
               <a:pPr/>
-              <a:t>27/12/2019</a:t>
+              <a:t>29/12/2019</a:t>
             </a:fld>
             <a:endParaRPr lang="fr-FR"/>
           </a:p>
@@ -2025,7 +2025,7 @@
             <a:fld id="{2993C056-CFA9-4E31-AB9C-F26B4C084605}" type="datetimeFigureOut">
               <a:rPr lang="fr-FR" smtClean="0"/>
               <a:pPr/>
-              <a:t>27/12/2019</a:t>
+              <a:t>29/12/2019</a:t>
             </a:fld>
             <a:endParaRPr lang="fr-FR"/>
           </a:p>
@@ -2158,7 +2158,7 @@
             <a:fld id="{2993C056-CFA9-4E31-AB9C-F26B4C084605}" type="datetimeFigureOut">
               <a:rPr lang="fr-FR" smtClean="0"/>
               <a:pPr/>
-              <a:t>27/12/2019</a:t>
+              <a:t>29/12/2019</a:t>
             </a:fld>
             <a:endParaRPr lang="fr-FR"/>
           </a:p>
@@ -2255,7 +2255,7 @@
             <a:fld id="{2993C056-CFA9-4E31-AB9C-F26B4C084605}" type="datetimeFigureOut">
               <a:rPr lang="fr-FR" smtClean="0"/>
               <a:pPr/>
-              <a:t>27/12/2019</a:t>
+              <a:t>29/12/2019</a:t>
             </a:fld>
             <a:endParaRPr lang="fr-FR"/>
           </a:p>
@@ -2535,7 +2535,7 @@
             <a:fld id="{2993C056-CFA9-4E31-AB9C-F26B4C084605}" type="datetimeFigureOut">
               <a:rPr lang="fr-FR" smtClean="0"/>
               <a:pPr/>
-              <a:t>27/12/2019</a:t>
+              <a:t>29/12/2019</a:t>
             </a:fld>
             <a:endParaRPr lang="fr-FR"/>
           </a:p>
@@ -2789,7 +2789,7 @@
             <a:fld id="{2993C056-CFA9-4E31-AB9C-F26B4C084605}" type="datetimeFigureOut">
               <a:rPr lang="fr-FR" smtClean="0"/>
               <a:pPr/>
-              <a:t>27/12/2019</a:t>
+              <a:t>29/12/2019</a:t>
             </a:fld>
             <a:endParaRPr lang="fr-FR"/>
           </a:p>
@@ -3163,7 +3163,7 @@
             <a:fld id="{2993C056-CFA9-4E31-AB9C-F26B4C084605}" type="datetimeFigureOut">
               <a:rPr lang="fr-FR" smtClean="0"/>
               <a:pPr/>
-              <a:t>27/12/2019</a:t>
+              <a:t>29/12/2019</a:t>
             </a:fld>
             <a:endParaRPr lang="fr-FR"/>
           </a:p>
@@ -4407,10 +4407,10 @@
               <a:buNone/>
             </a:pPr>
             <a:r>
-              <a:rPr lang="fr-FR" sz="2400" dirty="0" smtClean="0">
+              <a:rPr lang="fr-FR" sz="2400" smtClean="0">
                 <a:hlinkClick r:id="rId2"/>
               </a:rPr>
-              <a:t>https://github.com/iyidh/JIYDH_Abdulmajeed_Dijkstra</a:t>
+              <a:t>https://github.com/iyidh/JIYDH-Abdulmajeed</a:t>
             </a:r>
             <a:endParaRPr lang="fr-FR" sz="2400" dirty="0"/>
           </a:p>
@@ -4418,22 +4418,28 @@
       </p:sp>
       <p:pic>
         <p:nvPicPr>
-          <p:cNvPr id="4" name="Image 3" descr="cp5.PNG"/>
+          <p:cNvPr id="5" name="Image 4"/>
           <p:cNvPicPr>
             <a:picLocks noChangeAspect="1"/>
           </p:cNvPicPr>
           <p:nvPr/>
         </p:nvPicPr>
         <p:blipFill>
-          <a:blip r:embed="rId3"/>
+          <a:blip r:embed="rId3">
+            <a:extLst>
+              <a:ext uri="{28A0092B-C50C-407E-A947-70E740481C1C}">
+                <a14:useLocalDpi xmlns:a14="http://schemas.microsoft.com/office/drawing/2010/main" val="0"/>
+              </a:ext>
+            </a:extLst>
+          </a:blip>
           <a:stretch>
             <a:fillRect/>
           </a:stretch>
         </p:blipFill>
         <p:spPr>
           <a:xfrm>
-            <a:off x="251520" y="2215119"/>
-            <a:ext cx="8677628" cy="3928525"/>
+            <a:off x="251520" y="2557044"/>
+            <a:ext cx="8748464" cy="3320228"/>
           </a:xfrm>
           <a:prstGeom prst="rect">
             <a:avLst/>
